--- a/BC4/BC4 RECOMMENDER SYSTEM.pptx
+++ b/BC4/BC4 RECOMMENDER SYSTEM.pptx
@@ -133,7 +133,7 @@
 <file path=ppt/revisionInfo.xml><?xml version="1.0" encoding="utf-8"?>
 <p1510:revInfo xmlns:a="http://schemas.openxmlformats.org/drawingml/2006/main" xmlns:r="http://schemas.openxmlformats.org/officeDocument/2006/relationships" xmlns:p1510="http://schemas.microsoft.com/office/powerpoint/2015/10/main">
   <p1510:revLst>
-    <p1510:client id="{F3C4CD14-66FD-4F90-BB11-7D9C8561F3F0}" v="40" dt="2021-05-02T22:03:50.857"/>
+    <p1510:client id="{F3C4CD14-66FD-4F90-BB11-7D9C8561F3F0}" v="52" dt="2021-05-02T22:24:38.678"/>
   </p1510:revLst>
 </p1510:revInfo>
 </file>
@@ -143,7 +143,7 @@
   <pc:docChgLst>
     <pc:chgData name="Debora Santos" userId="a64d79716d8b1654" providerId="LiveId" clId="{F3C4CD14-66FD-4F90-BB11-7D9C8561F3F0}"/>
     <pc:docChg chg="undo custSel delSld modSld sldOrd">
-      <pc:chgData name="Debora Santos" userId="a64d79716d8b1654" providerId="LiveId" clId="{F3C4CD14-66FD-4F90-BB11-7D9C8561F3F0}" dt="2021-05-02T22:06:11.052" v="1683" actId="1076"/>
+      <pc:chgData name="Debora Santos" userId="a64d79716d8b1654" providerId="LiveId" clId="{F3C4CD14-66FD-4F90-BB11-7D9C8561F3F0}" dt="2021-05-02T22:24:38.677" v="1709" actId="1076"/>
       <pc:docMkLst>
         <pc:docMk/>
       </pc:docMkLst>
@@ -464,7 +464,7 @@
         </pc:grpChg>
       </pc:sldChg>
       <pc:sldChg chg="addSp delSp modSp mod">
-        <pc:chgData name="Debora Santos" userId="a64d79716d8b1654" providerId="LiveId" clId="{F3C4CD14-66FD-4F90-BB11-7D9C8561F3F0}" dt="2021-05-02T21:56:00.491" v="1046" actId="20577"/>
+        <pc:chgData name="Debora Santos" userId="a64d79716d8b1654" providerId="LiveId" clId="{F3C4CD14-66FD-4F90-BB11-7D9C8561F3F0}" dt="2021-05-02T22:24:38.677" v="1709" actId="1076"/>
         <pc:sldMkLst>
           <pc:docMk/>
           <pc:sldMk cId="3566596741" sldId="363"/>
@@ -477,8 +477,8 @@
             <ac:spMk id="2" creationId="{11D9E90E-C889-4E79-B4CB-A165B09FB779}"/>
           </ac:spMkLst>
         </pc:spChg>
-        <pc:spChg chg="add mod">
-          <ac:chgData name="Debora Santos" userId="a64d79716d8b1654" providerId="LiveId" clId="{F3C4CD14-66FD-4F90-BB11-7D9C8561F3F0}" dt="2021-05-02T21:54:00.500" v="996" actId="571"/>
+        <pc:spChg chg="add del mod">
+          <ac:chgData name="Debora Santos" userId="a64d79716d8b1654" providerId="LiveId" clId="{F3C4CD14-66FD-4F90-BB11-7D9C8561F3F0}" dt="2021-05-02T22:21:16.019" v="1685" actId="478"/>
           <ac:spMkLst>
             <pc:docMk/>
             <pc:sldMk cId="3566596741" sldId="363"/>
@@ -629,6 +629,54 @@
             <ac:grpSpMk id="31" creationId="{A5637F94-4EBC-4BB7-A39A-39A0A162553F}"/>
           </ac:grpSpMkLst>
         </pc:grpChg>
+        <pc:picChg chg="add mod">
+          <ac:chgData name="Debora Santos" userId="a64d79716d8b1654" providerId="LiveId" clId="{F3C4CD14-66FD-4F90-BB11-7D9C8561F3F0}" dt="2021-05-02T22:24:16.537" v="1702" actId="14100"/>
+          <ac:picMkLst>
+            <pc:docMk/>
+            <pc:sldMk cId="3566596741" sldId="363"/>
+            <ac:picMk id="6" creationId="{B5922DCE-2681-4535-BB8B-F87516A4CFFE}"/>
+          </ac:picMkLst>
+        </pc:picChg>
+        <pc:picChg chg="add mod">
+          <ac:chgData name="Debora Santos" userId="a64d79716d8b1654" providerId="LiveId" clId="{F3C4CD14-66FD-4F90-BB11-7D9C8561F3F0}" dt="2021-05-02T22:23:54.984" v="1696" actId="1076"/>
+          <ac:picMkLst>
+            <pc:docMk/>
+            <pc:sldMk cId="3566596741" sldId="363"/>
+            <ac:picMk id="10" creationId="{7727AE18-A590-41F0-8354-18A3F9C358DA}"/>
+          </ac:picMkLst>
+        </pc:picChg>
+        <pc:picChg chg="add mod">
+          <ac:chgData name="Debora Santos" userId="a64d79716d8b1654" providerId="LiveId" clId="{F3C4CD14-66FD-4F90-BB11-7D9C8561F3F0}" dt="2021-05-02T22:23:47.878" v="1693" actId="1076"/>
+          <ac:picMkLst>
+            <pc:docMk/>
+            <pc:sldMk cId="3566596741" sldId="363"/>
+            <ac:picMk id="21" creationId="{E3D67533-F5CE-4AC5-8B17-150DC20241B3}"/>
+          </ac:picMkLst>
+        </pc:picChg>
+        <pc:picChg chg="del mod">
+          <ac:chgData name="Debora Santos" userId="a64d79716d8b1654" providerId="LiveId" clId="{F3C4CD14-66FD-4F90-BB11-7D9C8561F3F0}" dt="2021-05-02T22:21:36.491" v="1687" actId="478"/>
+          <ac:picMkLst>
+            <pc:docMk/>
+            <pc:sldMk cId="3566596741" sldId="363"/>
+            <ac:picMk id="55" creationId="{0C1C832B-C63B-45C9-B9D8-5A572EA33467}"/>
+          </ac:picMkLst>
+        </pc:picChg>
+        <pc:picChg chg="add del mod">
+          <ac:chgData name="Debora Santos" userId="a64d79716d8b1654" providerId="LiveId" clId="{F3C4CD14-66FD-4F90-BB11-7D9C8561F3F0}" dt="2021-05-02T22:24:17.569" v="1703"/>
+          <ac:picMkLst>
+            <pc:docMk/>
+            <pc:sldMk cId="3566596741" sldId="363"/>
+            <ac:picMk id="1026" creationId="{3B41AD66-A17B-408E-87D2-68FB90063130}"/>
+          </ac:picMkLst>
+        </pc:picChg>
+        <pc:picChg chg="add mod">
+          <ac:chgData name="Debora Santos" userId="a64d79716d8b1654" providerId="LiveId" clId="{F3C4CD14-66FD-4F90-BB11-7D9C8561F3F0}" dt="2021-05-02T22:24:38.677" v="1709" actId="1076"/>
+          <ac:picMkLst>
+            <pc:docMk/>
+            <pc:sldMk cId="3566596741" sldId="363"/>
+            <ac:picMk id="1028" creationId="{3DBBDD03-2662-467B-AAF0-3D7051DDB5EB}"/>
+          </ac:picMkLst>
+        </pc:picChg>
       </pc:sldChg>
       <pc:sldChg chg="addSp delSp modSp mod ord">
         <pc:chgData name="Debora Santos" userId="a64d79716d8b1654" providerId="LiveId" clId="{F3C4CD14-66FD-4F90-BB11-7D9C8561F3F0}" dt="2021-05-02T21:53:47.174" v="994" actId="1076"/>
@@ -27840,42 +27888,6 @@
       </p:sp>
       <p:pic>
         <p:nvPicPr>
-          <p:cNvPr id="55" name="Imagem 54">
-            <a:extLst>
-              <a:ext uri="{FF2B5EF4-FFF2-40B4-BE49-F238E27FC236}">
-                <a16:creationId xmlns:a16="http://schemas.microsoft.com/office/drawing/2014/main" id="{0C1C832B-C63B-45C9-B9D8-5A572EA33467}"/>
-              </a:ext>
-            </a:extLst>
-          </p:cNvPr>
-          <p:cNvPicPr>
-            <a:picLocks noChangeAspect="1"/>
-          </p:cNvPicPr>
-          <p:nvPr/>
-        </p:nvPicPr>
-        <p:blipFill>
-          <a:blip r:embed="rId2" cstate="print">
-            <a:extLst>
-              <a:ext uri="{28A0092B-C50C-407E-A947-70E740481C1C}">
-                <a14:useLocalDpi xmlns:a14="http://schemas.microsoft.com/office/drawing/2010/main" val="0"/>
-              </a:ext>
-            </a:extLst>
-          </a:blip>
-          <a:stretch>
-            <a:fillRect/>
-          </a:stretch>
-        </p:blipFill>
-        <p:spPr>
-          <a:xfrm>
-            <a:off x="824405" y="2254948"/>
-            <a:ext cx="3257704" cy="2327426"/>
-          </a:xfrm>
-          <a:prstGeom prst="rect">
-            <a:avLst/>
-          </a:prstGeom>
-        </p:spPr>
-      </p:pic>
-      <p:pic>
-        <p:nvPicPr>
           <p:cNvPr id="58" name="Imagem 57">
             <a:extLst>
               <a:ext uri="{FF2B5EF4-FFF2-40B4-BE49-F238E27FC236}">
@@ -27889,7 +27901,7 @@
           <p:nvPr/>
         </p:nvPicPr>
         <p:blipFill>
-          <a:blip r:embed="rId3">
+          <a:blip r:embed="rId2">
             <a:extLst>
               <a:ext uri="{28A0092B-C50C-407E-A947-70E740481C1C}">
                 <a14:useLocalDpi xmlns:a14="http://schemas.microsoft.com/office/drawing/2010/main" val="0"/>
@@ -27910,57 +27922,6 @@
           </a:prstGeom>
         </p:spPr>
       </p:pic>
-      <p:sp>
-        <p:nvSpPr>
-          <p:cNvPr id="17" name="CaixaDeTexto 11">
-            <a:extLst>
-              <a:ext uri="{FF2B5EF4-FFF2-40B4-BE49-F238E27FC236}">
-                <a16:creationId xmlns:a16="http://schemas.microsoft.com/office/drawing/2014/main" id="{A0395673-5C9D-49BD-A578-7597DF448C0D}"/>
-              </a:ext>
-            </a:extLst>
-          </p:cNvPr>
-          <p:cNvSpPr txBox="1"/>
-          <p:nvPr/>
-        </p:nvSpPr>
-        <p:spPr>
-          <a:xfrm>
-            <a:off x="1896391" y="1290556"/>
-            <a:ext cx="2447009" cy="400110"/>
-          </a:xfrm>
-          <a:prstGeom prst="rect">
-            <a:avLst/>
-          </a:prstGeom>
-          <a:noFill/>
-        </p:spPr>
-        <p:txBody>
-          <a:bodyPr wrap="square">
-            <a:spAutoFit/>
-          </a:bodyPr>
-          <a:lstStyle/>
-          <a:p>
-            <a:pPr lvl="0" algn="just">
-              <a:spcBef>
-                <a:spcPts val="600"/>
-              </a:spcBef>
-            </a:pPr>
-            <a:r>
-              <a:rPr lang="en-US" sz="2000" dirty="0">
-                <a:solidFill>
-                  <a:schemeClr val="accent2">
-                    <a:lumMod val="60000"/>
-                    <a:lumOff val="40000"/>
-                  </a:schemeClr>
-                </a:solidFill>
-                <a:effectLst/>
-                <a:latin typeface="Calibri" panose="020F0502020204030204" pitchFamily="34" charset="0"/>
-                <a:ea typeface="Calibri" panose="020F0502020204030204" pitchFamily="34" charset="0"/>
-                <a:cs typeface="Times New Roman" panose="02020603050405020304" pitchFamily="18" charset="0"/>
-              </a:rPr>
-              <a:t>Algorithm</a:t>
-            </a:r>
-          </a:p>
-        </p:txBody>
-      </p:sp>
       <p:grpSp>
         <p:nvGrpSpPr>
           <p:cNvPr id="18" name="Group 269">
@@ -29044,6 +29005,143 @@
           </p:sp>
         </p:grpSp>
       </p:grpSp>
+      <p:pic>
+        <p:nvPicPr>
+          <p:cNvPr id="6" name="Picture 5">
+            <a:extLst>
+              <a:ext uri="{FF2B5EF4-FFF2-40B4-BE49-F238E27FC236}">
+                <a16:creationId xmlns:a16="http://schemas.microsoft.com/office/drawing/2014/main" id="{B5922DCE-2681-4535-BB8B-F87516A4CFFE}"/>
+              </a:ext>
+            </a:extLst>
+          </p:cNvPr>
+          <p:cNvPicPr>
+            <a:picLocks noChangeAspect="1"/>
+          </p:cNvPicPr>
+          <p:nvPr/>
+        </p:nvPicPr>
+        <p:blipFill>
+          <a:blip r:embed="rId3"/>
+          <a:stretch>
+            <a:fillRect/>
+          </a:stretch>
+        </p:blipFill>
+        <p:spPr>
+          <a:xfrm>
+            <a:off x="5081587" y="1251977"/>
+            <a:ext cx="2638425" cy="1333500"/>
+          </a:xfrm>
+          <a:prstGeom prst="rect">
+            <a:avLst/>
+          </a:prstGeom>
+        </p:spPr>
+      </p:pic>
+      <p:pic>
+        <p:nvPicPr>
+          <p:cNvPr id="10" name="Picture 9">
+            <a:extLst>
+              <a:ext uri="{FF2B5EF4-FFF2-40B4-BE49-F238E27FC236}">
+                <a16:creationId xmlns:a16="http://schemas.microsoft.com/office/drawing/2014/main" id="{7727AE18-A590-41F0-8354-18A3F9C358DA}"/>
+              </a:ext>
+            </a:extLst>
+          </p:cNvPr>
+          <p:cNvPicPr>
+            <a:picLocks noChangeAspect="1"/>
+          </p:cNvPicPr>
+          <p:nvPr/>
+        </p:nvPicPr>
+        <p:blipFill>
+          <a:blip r:embed="rId4"/>
+          <a:stretch>
+            <a:fillRect/>
+          </a:stretch>
+        </p:blipFill>
+        <p:spPr>
+          <a:xfrm>
+            <a:off x="8196221" y="1228164"/>
+            <a:ext cx="3371850" cy="1381125"/>
+          </a:xfrm>
+          <a:prstGeom prst="rect">
+            <a:avLst/>
+          </a:prstGeom>
+        </p:spPr>
+      </p:pic>
+      <p:pic>
+        <p:nvPicPr>
+          <p:cNvPr id="21" name="Picture 20">
+            <a:extLst>
+              <a:ext uri="{FF2B5EF4-FFF2-40B4-BE49-F238E27FC236}">
+                <a16:creationId xmlns:a16="http://schemas.microsoft.com/office/drawing/2014/main" id="{E3D67533-F5CE-4AC5-8B17-150DC20241B3}"/>
+              </a:ext>
+            </a:extLst>
+          </p:cNvPr>
+          <p:cNvPicPr>
+            <a:picLocks noChangeAspect="1"/>
+          </p:cNvPicPr>
+          <p:nvPr/>
+        </p:nvPicPr>
+        <p:blipFill>
+          <a:blip r:embed="rId5"/>
+          <a:stretch>
+            <a:fillRect/>
+          </a:stretch>
+        </p:blipFill>
+        <p:spPr>
+          <a:xfrm>
+            <a:off x="7355966" y="4119024"/>
+            <a:ext cx="2362200" cy="1266825"/>
+          </a:xfrm>
+          <a:prstGeom prst="rect">
+            <a:avLst/>
+          </a:prstGeom>
+        </p:spPr>
+      </p:pic>
+      <p:pic>
+        <p:nvPicPr>
+          <p:cNvPr id="1028" name="Picture 4">
+            <a:extLst>
+              <a:ext uri="{FF2B5EF4-FFF2-40B4-BE49-F238E27FC236}">
+                <a16:creationId xmlns:a16="http://schemas.microsoft.com/office/drawing/2014/main" id="{3DBBDD03-2662-467B-AAF0-3D7051DDB5EB}"/>
+              </a:ext>
+            </a:extLst>
+          </p:cNvPr>
+          <p:cNvPicPr>
+            <a:picLocks noChangeAspect="1" noChangeArrowheads="1"/>
+          </p:cNvPicPr>
+          <p:nvPr/>
+        </p:nvPicPr>
+        <p:blipFill>
+          <a:blip r:embed="rId6">
+            <a:extLst>
+              <a:ext uri="{28A0092B-C50C-407E-A947-70E740481C1C}">
+                <a14:useLocalDpi xmlns:a14="http://schemas.microsoft.com/office/drawing/2010/main" val="0"/>
+              </a:ext>
+            </a:extLst>
+          </a:blip>
+          <a:srcRect/>
+          <a:stretch>
+            <a:fillRect/>
+          </a:stretch>
+        </p:blipFill>
+        <p:spPr bwMode="auto">
+          <a:xfrm>
+            <a:off x="812285" y="2503954"/>
+            <a:ext cx="3435184" cy="2469956"/>
+          </a:xfrm>
+          <a:prstGeom prst="rect">
+            <a:avLst/>
+          </a:prstGeom>
+          <a:noFill/>
+          <a:extLst>
+            <a:ext uri="{909E8E84-426E-40DD-AFC4-6F175D3DCCD1}">
+              <a14:hiddenFill xmlns:a14="http://schemas.microsoft.com/office/drawing/2010/main">
+                <a:solidFill>
+                  <a:srgbClr val="FFFFFF"/>
+                </a:solidFill>
+              </a14:hiddenFill>
+            </a:ext>
+          </a:extLst>
+        </p:spPr>
+      </p:pic>
     </p:spTree>
     <p:extLst>
       <p:ext uri="{BB962C8B-B14F-4D97-AF65-F5344CB8AC3E}">

--- a/BC4/BC4 RECOMMENDER SYSTEM.pptx
+++ b/BC4/BC4 RECOMMENDER SYSTEM.pptx
@@ -133,6 +133,7 @@
 <file path=ppt/revisionInfo.xml><?xml version="1.0" encoding="utf-8"?>
 <p1510:revInfo xmlns:a="http://schemas.openxmlformats.org/drawingml/2006/main" xmlns:r="http://schemas.openxmlformats.org/officeDocument/2006/relationships" xmlns:p1510="http://schemas.microsoft.com/office/powerpoint/2015/10/main">
   <p1510:revLst>
+    <p1510:client id="{3A3C3D50-FD42-4BC9-A0FC-8991B7051A87}" v="4" dt="2021-05-03T09:35:00.203"/>
     <p1510:client id="{F3C4CD14-66FD-4F90-BB11-7D9C8561F3F0}" v="52" dt="2021-05-02T22:24:38.678"/>
   </p1510:revLst>
 </p1510:revInfo>
@@ -140,6 +141,117 @@
 
 <file path=ppt/changesInfos/changesInfo1.xml><?xml version="1.0" encoding="utf-8"?>
 <pc:chgInfo xmlns:a="http://schemas.openxmlformats.org/drawingml/2006/main" xmlns:r="http://schemas.openxmlformats.org/officeDocument/2006/relationships" xmlns:ac="http://schemas.microsoft.com/office/drawing/2013/main/command" xmlns:pc="http://schemas.microsoft.com/office/powerpoint/2013/main/command">
+  <pc:docChgLst>
+    <pc:chgData name="Debora Santos" userId="a64d79716d8b1654" providerId="LiveId" clId="{3A3C3D50-FD42-4BC9-A0FC-8991B7051A87}"/>
+    <pc:docChg chg="custSel modSld">
+      <pc:chgData name="Debora Santos" userId="a64d79716d8b1654" providerId="LiveId" clId="{3A3C3D50-FD42-4BC9-A0FC-8991B7051A87}" dt="2021-05-03T09:35:03.214" v="66" actId="478"/>
+      <pc:docMkLst>
+        <pc:docMk/>
+      </pc:docMkLst>
+      <pc:sldChg chg="addSp delSp modSp mod">
+        <pc:chgData name="Debora Santos" userId="a64d79716d8b1654" providerId="LiveId" clId="{3A3C3D50-FD42-4BC9-A0FC-8991B7051A87}" dt="2021-05-03T09:35:03.214" v="66" actId="478"/>
+        <pc:sldMkLst>
+          <pc:docMk/>
+          <pc:sldMk cId="3566596741" sldId="363"/>
+        </pc:sldMkLst>
+        <pc:spChg chg="mod">
+          <ac:chgData name="Debora Santos" userId="a64d79716d8b1654" providerId="LiveId" clId="{3A3C3D50-FD42-4BC9-A0FC-8991B7051A87}" dt="2021-05-03T09:33:23.753" v="20" actId="20577"/>
+          <ac:spMkLst>
+            <pc:docMk/>
+            <pc:sldMk cId="3566596741" sldId="363"/>
+            <ac:spMk id="16" creationId="{E41DDEF0-A164-4E7E-A30A-30C649DB1364}"/>
+          </ac:spMkLst>
+        </pc:spChg>
+        <pc:spChg chg="del">
+          <ac:chgData name="Debora Santos" userId="a64d79716d8b1654" providerId="LiveId" clId="{3A3C3D50-FD42-4BC9-A0FC-8991B7051A87}" dt="2021-05-03T09:35:03.214" v="66" actId="478"/>
+          <ac:spMkLst>
+            <pc:docMk/>
+            <pc:sldMk cId="3566596741" sldId="363"/>
+            <ac:spMk id="26" creationId="{A13FA238-4E80-4523-9A53-13F1CD0D5499}"/>
+          </ac:spMkLst>
+        </pc:spChg>
+        <pc:picChg chg="del">
+          <ac:chgData name="Debora Santos" userId="a64d79716d8b1654" providerId="LiveId" clId="{3A3C3D50-FD42-4BC9-A0FC-8991B7051A87}" dt="2021-05-03T09:31:54.688" v="3" actId="478"/>
+          <ac:picMkLst>
+            <pc:docMk/>
+            <pc:sldMk cId="3566596741" sldId="363"/>
+            <ac:picMk id="6" creationId="{B5922DCE-2681-4535-BB8B-F87516A4CFFE}"/>
+          </ac:picMkLst>
+        </pc:picChg>
+        <pc:picChg chg="add mod">
+          <ac:chgData name="Debora Santos" userId="a64d79716d8b1654" providerId="LiveId" clId="{3A3C3D50-FD42-4BC9-A0FC-8991B7051A87}" dt="2021-05-03T09:31:51.481" v="2" actId="1076"/>
+          <ac:picMkLst>
+            <pc:docMk/>
+            <pc:sldMk cId="3566596741" sldId="363"/>
+            <ac:picMk id="7" creationId="{18D63875-E315-42BD-9036-D30795C8583C}"/>
+          </ac:picMkLst>
+        </pc:picChg>
+        <pc:picChg chg="del">
+          <ac:chgData name="Debora Santos" userId="a64d79716d8b1654" providerId="LiveId" clId="{3A3C3D50-FD42-4BC9-A0FC-8991B7051A87}" dt="2021-05-03T09:31:43.795" v="0" actId="478"/>
+          <ac:picMkLst>
+            <pc:docMk/>
+            <pc:sldMk cId="3566596741" sldId="363"/>
+            <ac:picMk id="10" creationId="{7727AE18-A590-41F0-8354-18A3F9C358DA}"/>
+          </ac:picMkLst>
+        </pc:picChg>
+        <pc:picChg chg="add mod">
+          <ac:chgData name="Debora Santos" userId="a64d79716d8b1654" providerId="LiveId" clId="{3A3C3D50-FD42-4BC9-A0FC-8991B7051A87}" dt="2021-05-03T09:32:27.640" v="7" actId="1076"/>
+          <ac:picMkLst>
+            <pc:docMk/>
+            <pc:sldMk cId="3566596741" sldId="363"/>
+            <ac:picMk id="17" creationId="{879E770E-4511-4300-9FED-A7A8B5272E67}"/>
+          </ac:picMkLst>
+        </pc:picChg>
+        <pc:picChg chg="del">
+          <ac:chgData name="Debora Santos" userId="a64d79716d8b1654" providerId="LiveId" clId="{3A3C3D50-FD42-4BC9-A0FC-8991B7051A87}" dt="2021-05-03T09:32:31.095" v="8" actId="478"/>
+          <ac:picMkLst>
+            <pc:docMk/>
+            <pc:sldMk cId="3566596741" sldId="363"/>
+            <ac:picMk id="21" creationId="{E3D67533-F5CE-4AC5-8B17-150DC20241B3}"/>
+          </ac:picMkLst>
+        </pc:picChg>
+        <pc:picChg chg="add mod">
+          <ac:chgData name="Debora Santos" userId="a64d79716d8b1654" providerId="LiveId" clId="{3A3C3D50-FD42-4BC9-A0FC-8991B7051A87}" dt="2021-05-03T09:33:00.644" v="10" actId="1076"/>
+          <ac:picMkLst>
+            <pc:docMk/>
+            <pc:sldMk cId="3566596741" sldId="363"/>
+            <ac:picMk id="23" creationId="{0C284202-2F3A-4881-9B38-1947689FB088}"/>
+          </ac:picMkLst>
+        </pc:picChg>
+        <pc:picChg chg="add mod">
+          <ac:chgData name="Debora Santos" userId="a64d79716d8b1654" providerId="LiveId" clId="{3A3C3D50-FD42-4BC9-A0FC-8991B7051A87}" dt="2021-05-03T09:35:00.202" v="65" actId="1076"/>
+          <ac:picMkLst>
+            <pc:docMk/>
+            <pc:sldMk cId="3566596741" sldId="363"/>
+            <ac:picMk id="1026" creationId="{BA31E50D-2EC4-4909-B683-F420971C8F3E}"/>
+          </ac:picMkLst>
+        </pc:picChg>
+        <pc:picChg chg="del">
+          <ac:chgData name="Debora Santos" userId="a64d79716d8b1654" providerId="LiveId" clId="{3A3C3D50-FD42-4BC9-A0FC-8991B7051A87}" dt="2021-05-03T09:33:10.795" v="11" actId="478"/>
+          <ac:picMkLst>
+            <pc:docMk/>
+            <pc:sldMk cId="3566596741" sldId="363"/>
+            <ac:picMk id="1028" creationId="{3DBBDD03-2662-467B-AAF0-3D7051DDB5EB}"/>
+          </ac:picMkLst>
+        </pc:picChg>
+      </pc:sldChg>
+      <pc:sldChg chg="modSp mod">
+        <pc:chgData name="Debora Santos" userId="a64d79716d8b1654" providerId="LiveId" clId="{3A3C3D50-FD42-4BC9-A0FC-8991B7051A87}" dt="2021-05-03T09:33:58.579" v="62" actId="20577"/>
+        <pc:sldMkLst>
+          <pc:docMk/>
+          <pc:sldMk cId="4023199769" sldId="364"/>
+        </pc:sldMkLst>
+        <pc:spChg chg="mod">
+          <ac:chgData name="Debora Santos" userId="a64d79716d8b1654" providerId="LiveId" clId="{3A3C3D50-FD42-4BC9-A0FC-8991B7051A87}" dt="2021-05-03T09:33:58.579" v="62" actId="20577"/>
+          <ac:spMkLst>
+            <pc:docMk/>
+            <pc:sldMk cId="4023199769" sldId="364"/>
+            <ac:spMk id="11" creationId="{767A00EA-6102-4693-B6C0-C2C5969E3358}"/>
+          </ac:spMkLst>
+        </pc:spChg>
+      </pc:sldChg>
+    </pc:docChg>
+  </pc:docChgLst>
   <pc:docChgLst>
     <pc:chgData name="Debora Santos" userId="a64d79716d8b1654" providerId="LiveId" clId="{F3C4CD14-66FD-4F90-BB11-7D9C8561F3F0}"/>
     <pc:docChg chg="undo custSel delSld modSld sldOrd">
@@ -26655,7 +26767,7 @@
                   <a:ea typeface="Calibri" panose="020F0502020204030204" pitchFamily="34" charset="0"/>
                   <a:cs typeface="Times New Roman" panose="02020603050405020304" pitchFamily="18" charset="0"/>
                 </a:rPr>
-                <a:t>Fit the model</a:t>
+                <a:t>Fit the models: ALS, LMF and BPR</a:t>
               </a:r>
             </a:p>
             <a:p>
@@ -26754,7 +26866,7 @@
                   <a:ea typeface="Calibri" panose="020F0502020204030204" pitchFamily="34" charset="0"/>
                   <a:cs typeface="Times New Roman" panose="02020603050405020304" pitchFamily="18" charset="0"/>
                 </a:rPr>
-                <a:t>Analysis recommendations</a:t>
+                <a:t>Analysis of recommendations</a:t>
               </a:r>
             </a:p>
             <a:p>
@@ -27815,6 +27927,18 @@
               </a:spcBef>
             </a:pPr>
             <a:r>
+              <a:rPr lang="en-US" sz="1800" dirty="0">
+                <a:solidFill>
+                  <a:schemeClr val="bg1"/>
+                </a:solidFill>
+                <a:effectLst/>
+                <a:latin typeface="Calibri" panose="020F0502020204030204" pitchFamily="34" charset="0"/>
+                <a:ea typeface="Calibri" panose="020F0502020204030204" pitchFamily="34" charset="0"/>
+                <a:cs typeface="Times New Roman" panose="02020603050405020304" pitchFamily="18" charset="0"/>
+              </a:rPr>
+              <a:t>Final: </a:t>
+            </a:r>
+            <a:r>
               <a:rPr lang="en-US" sz="1800" dirty="0" err="1">
                 <a:solidFill>
                   <a:schemeClr val="bg1"/>
@@ -27835,54 +27959,6 @@
               <a:ea typeface="Calibri" panose="020F0502020204030204" pitchFamily="34" charset="0"/>
               <a:cs typeface="Times New Roman" panose="02020603050405020304" pitchFamily="18" charset="0"/>
             </a:endParaRPr>
-          </a:p>
-        </p:txBody>
-      </p:sp>
-      <p:sp>
-        <p:nvSpPr>
-          <p:cNvPr id="26" name="CaixaDeTexto 25">
-            <a:extLst>
-              <a:ext uri="{FF2B5EF4-FFF2-40B4-BE49-F238E27FC236}">
-                <a16:creationId xmlns:a16="http://schemas.microsoft.com/office/drawing/2014/main" id="{A13FA238-4E80-4523-9A53-13F1CD0D5499}"/>
-              </a:ext>
-            </a:extLst>
-          </p:cNvPr>
-          <p:cNvSpPr txBox="1"/>
-          <p:nvPr/>
-        </p:nvSpPr>
-        <p:spPr>
-          <a:xfrm>
-            <a:off x="875145" y="4984478"/>
-            <a:ext cx="4733925" cy="723275"/>
-          </a:xfrm>
-          <a:prstGeom prst="rect">
-            <a:avLst/>
-          </a:prstGeom>
-          <a:noFill/>
-        </p:spPr>
-        <p:txBody>
-          <a:bodyPr wrap="square" rtlCol="0">
-            <a:spAutoFit/>
-          </a:bodyPr>
-          <a:lstStyle/>
-          <a:p>
-            <a:pPr lvl="0" algn="just">
-              <a:spcAft>
-                <a:spcPts val="600"/>
-              </a:spcAft>
-            </a:pPr>
-            <a:endParaRPr lang="en-US" sz="1800" dirty="0">
-              <a:solidFill>
-                <a:schemeClr val="bg1"/>
-              </a:solidFill>
-              <a:effectLst/>
-              <a:latin typeface="Calibri" panose="020F0502020204030204" pitchFamily="34" charset="0"/>
-              <a:ea typeface="Calibri" panose="020F0502020204030204" pitchFamily="34" charset="0"/>
-              <a:cs typeface="Times New Roman" panose="02020603050405020304" pitchFamily="18" charset="0"/>
-            </a:endParaRPr>
-          </a:p>
-          <a:p>
-            <a:endParaRPr lang="pt-PT" dirty="0"/>
           </a:p>
         </p:txBody>
       </p:sp>
@@ -29007,10 +29083,10 @@
       </p:grpSp>
       <p:pic>
         <p:nvPicPr>
-          <p:cNvPr id="6" name="Picture 5">
+          <p:cNvPr id="7" name="Picture 6">
             <a:extLst>
               <a:ext uri="{FF2B5EF4-FFF2-40B4-BE49-F238E27FC236}">
-                <a16:creationId xmlns:a16="http://schemas.microsoft.com/office/drawing/2014/main" id="{B5922DCE-2681-4535-BB8B-F87516A4CFFE}"/>
+                <a16:creationId xmlns:a16="http://schemas.microsoft.com/office/drawing/2014/main" id="{18D63875-E315-42BD-9036-D30795C8583C}"/>
               </a:ext>
             </a:extLst>
           </p:cNvPr>
@@ -29027,8 +29103,8 @@
         </p:blipFill>
         <p:spPr>
           <a:xfrm>
-            <a:off x="5081587" y="1251977"/>
-            <a:ext cx="2638425" cy="1333500"/>
+            <a:off x="8281946" y="1156727"/>
+            <a:ext cx="3286125" cy="1428750"/>
           </a:xfrm>
           <a:prstGeom prst="rect">
             <a:avLst/>
@@ -29037,10 +29113,10 @@
       </p:pic>
       <p:pic>
         <p:nvPicPr>
-          <p:cNvPr id="10" name="Picture 9">
+          <p:cNvPr id="17" name="Picture 16">
             <a:extLst>
               <a:ext uri="{FF2B5EF4-FFF2-40B4-BE49-F238E27FC236}">
-                <a16:creationId xmlns:a16="http://schemas.microsoft.com/office/drawing/2014/main" id="{7727AE18-A590-41F0-8354-18A3F9C358DA}"/>
+                <a16:creationId xmlns:a16="http://schemas.microsoft.com/office/drawing/2014/main" id="{879E770E-4511-4300-9FED-A7A8B5272E67}"/>
               </a:ext>
             </a:extLst>
           </p:cNvPr>
@@ -29057,8 +29133,8 @@
         </p:blipFill>
         <p:spPr>
           <a:xfrm>
-            <a:off x="8196221" y="1228164"/>
-            <a:ext cx="3371850" cy="1381125"/>
+            <a:off x="5253515" y="1156728"/>
+            <a:ext cx="2857498" cy="1428749"/>
           </a:xfrm>
           <a:prstGeom prst="rect">
             <a:avLst/>
@@ -29067,10 +29143,10 @@
       </p:pic>
       <p:pic>
         <p:nvPicPr>
-          <p:cNvPr id="21" name="Picture 20">
+          <p:cNvPr id="23" name="Picture 22">
             <a:extLst>
               <a:ext uri="{FF2B5EF4-FFF2-40B4-BE49-F238E27FC236}">
-                <a16:creationId xmlns:a16="http://schemas.microsoft.com/office/drawing/2014/main" id="{E3D67533-F5CE-4AC5-8B17-150DC20241B3}"/>
+                <a16:creationId xmlns:a16="http://schemas.microsoft.com/office/drawing/2014/main" id="{0C284202-2F3A-4881-9B38-1947689FB088}"/>
               </a:ext>
             </a:extLst>
           </p:cNvPr>
@@ -29087,8 +29163,8 @@
         </p:blipFill>
         <p:spPr>
           <a:xfrm>
-            <a:off x="7355966" y="4119024"/>
-            <a:ext cx="2362200" cy="1266825"/>
+            <a:off x="7355966" y="4109844"/>
+            <a:ext cx="2266950" cy="1209675"/>
           </a:xfrm>
           <a:prstGeom prst="rect">
             <a:avLst/>
@@ -29097,10 +29173,10 @@
       </p:pic>
       <p:pic>
         <p:nvPicPr>
-          <p:cNvPr id="1028" name="Picture 4">
+          <p:cNvPr id="1026" name="Picture 2">
             <a:extLst>
               <a:ext uri="{FF2B5EF4-FFF2-40B4-BE49-F238E27FC236}">
-                <a16:creationId xmlns:a16="http://schemas.microsoft.com/office/drawing/2014/main" id="{3DBBDD03-2662-467B-AAF0-3D7051DDB5EB}"/>
+                <a16:creationId xmlns:a16="http://schemas.microsoft.com/office/drawing/2014/main" id="{BA31E50D-2EC4-4909-B683-F420971C8F3E}"/>
               </a:ext>
             </a:extLst>
           </p:cNvPr>
@@ -29124,8 +29200,8 @@
         </p:blipFill>
         <p:spPr bwMode="auto">
           <a:xfrm>
-            <a:off x="812285" y="2503954"/>
-            <a:ext cx="3435184" cy="2469956"/>
+            <a:off x="956441" y="2416330"/>
+            <a:ext cx="3161817" cy="2273400"/>
           </a:xfrm>
           <a:prstGeom prst="rect">
             <a:avLst/>
